--- a/specifikacija/Arhitektura.pptx
+++ b/specifikacija/Arhitektura.pptx
@@ -104,6 +104,11 @@
       </a:defRPr>
     </a:lvl9pPr>
   </p:defaultTextStyle>
+  <p:extLst>
+    <p:ext uri="{EFAFB233-063F-42B5-8137-9DF3F51BA10A}">
+      <p15:sldGuideLst xmlns:p15="http://schemas.microsoft.com/office/powerpoint/2012/main"/>
+    </p:ext>
+  </p:extLst>
 </p:presentation>
 </file>
 
@@ -254,7 +259,7 @@
           <a:p>
             <a:fld id="{70CA4763-C7A4-4590-9C60-D5151B21FCB0}" type="datetimeFigureOut">
               <a:rPr lang="en-US" smtClean="0"/>
-              <a:t>1/4/2024</a:t>
+              <a:t>1/5/2024</a:t>
             </a:fld>
             <a:endParaRPr lang="en-US"/>
           </a:p>
@@ -452,7 +457,7 @@
           <a:p>
             <a:fld id="{70CA4763-C7A4-4590-9C60-D5151B21FCB0}" type="datetimeFigureOut">
               <a:rPr lang="en-US" smtClean="0"/>
-              <a:t>1/4/2024</a:t>
+              <a:t>1/5/2024</a:t>
             </a:fld>
             <a:endParaRPr lang="en-US"/>
           </a:p>
@@ -660,7 +665,7 @@
           <a:p>
             <a:fld id="{70CA4763-C7A4-4590-9C60-D5151B21FCB0}" type="datetimeFigureOut">
               <a:rPr lang="en-US" smtClean="0"/>
-              <a:t>1/4/2024</a:t>
+              <a:t>1/5/2024</a:t>
             </a:fld>
             <a:endParaRPr lang="en-US"/>
           </a:p>
@@ -858,7 +863,7 @@
           <a:p>
             <a:fld id="{70CA4763-C7A4-4590-9C60-D5151B21FCB0}" type="datetimeFigureOut">
               <a:rPr lang="en-US" smtClean="0"/>
-              <a:t>1/4/2024</a:t>
+              <a:t>1/5/2024</a:t>
             </a:fld>
             <a:endParaRPr lang="en-US"/>
           </a:p>
@@ -1133,7 +1138,7 @@
           <a:p>
             <a:fld id="{70CA4763-C7A4-4590-9C60-D5151B21FCB0}" type="datetimeFigureOut">
               <a:rPr lang="en-US" smtClean="0"/>
-              <a:t>1/4/2024</a:t>
+              <a:t>1/5/2024</a:t>
             </a:fld>
             <a:endParaRPr lang="en-US"/>
           </a:p>
@@ -1398,7 +1403,7 @@
           <a:p>
             <a:fld id="{70CA4763-C7A4-4590-9C60-D5151B21FCB0}" type="datetimeFigureOut">
               <a:rPr lang="en-US" smtClean="0"/>
-              <a:t>1/4/2024</a:t>
+              <a:t>1/5/2024</a:t>
             </a:fld>
             <a:endParaRPr lang="en-US"/>
           </a:p>
@@ -1810,7 +1815,7 @@
           <a:p>
             <a:fld id="{70CA4763-C7A4-4590-9C60-D5151B21FCB0}" type="datetimeFigureOut">
               <a:rPr lang="en-US" smtClean="0"/>
-              <a:t>1/4/2024</a:t>
+              <a:t>1/5/2024</a:t>
             </a:fld>
             <a:endParaRPr lang="en-US"/>
           </a:p>
@@ -1951,7 +1956,7 @@
           <a:p>
             <a:fld id="{70CA4763-C7A4-4590-9C60-D5151B21FCB0}" type="datetimeFigureOut">
               <a:rPr lang="en-US" smtClean="0"/>
-              <a:t>1/4/2024</a:t>
+              <a:t>1/5/2024</a:t>
             </a:fld>
             <a:endParaRPr lang="en-US"/>
           </a:p>
@@ -2064,7 +2069,7 @@
           <a:p>
             <a:fld id="{70CA4763-C7A4-4590-9C60-D5151B21FCB0}" type="datetimeFigureOut">
               <a:rPr lang="en-US" smtClean="0"/>
-              <a:t>1/4/2024</a:t>
+              <a:t>1/5/2024</a:t>
             </a:fld>
             <a:endParaRPr lang="en-US"/>
           </a:p>
@@ -2375,7 +2380,7 @@
           <a:p>
             <a:fld id="{70CA4763-C7A4-4590-9C60-D5151B21FCB0}" type="datetimeFigureOut">
               <a:rPr lang="en-US" smtClean="0"/>
-              <a:t>1/4/2024</a:t>
+              <a:t>1/5/2024</a:t>
             </a:fld>
             <a:endParaRPr lang="en-US"/>
           </a:p>
@@ -2663,7 +2668,7 @@
           <a:p>
             <a:fld id="{70CA4763-C7A4-4590-9C60-D5151B21FCB0}" type="datetimeFigureOut">
               <a:rPr lang="en-US" smtClean="0"/>
-              <a:t>1/4/2024</a:t>
+              <a:t>1/5/2024</a:t>
             </a:fld>
             <a:endParaRPr lang="en-US"/>
           </a:p>
@@ -2904,7 +2909,7 @@
           <a:p>
             <a:fld id="{70CA4763-C7A4-4590-9C60-D5151B21FCB0}" type="datetimeFigureOut">
               <a:rPr lang="en-US" smtClean="0"/>
-              <a:t>1/4/2024</a:t>
+              <a:t>1/5/2024</a:t>
             </a:fld>
             <a:endParaRPr lang="en-US"/>
           </a:p>
@@ -4245,106 +4250,6 @@
           </a:p>
         </p:txBody>
       </p:sp>
-      <p:cxnSp>
-        <p:nvCxnSpPr>
-          <p:cNvPr id="110" name="Connector: Curved 109">
-            <a:extLst>
-              <a:ext uri="{FF2B5EF4-FFF2-40B4-BE49-F238E27FC236}">
-                <a16:creationId xmlns:a16="http://schemas.microsoft.com/office/drawing/2014/main" id="{3C4763B9-2014-4DF4-87CF-9E77F34037FF}"/>
-              </a:ext>
-            </a:extLst>
-          </p:cNvPr>
-          <p:cNvCxnSpPr>
-            <a:cxnSpLocks/>
-            <a:stCxn id="76" idx="3"/>
-            <a:endCxn id="119" idx="0"/>
-          </p:cNvCxnSpPr>
-          <p:nvPr/>
-        </p:nvCxnSpPr>
-        <p:spPr>
-          <a:xfrm>
-            <a:off x="9200346" y="2386055"/>
-            <a:ext cx="1719792" cy="845108"/>
-          </a:xfrm>
-          <a:prstGeom prst="curvedConnector2">
-            <a:avLst/>
-          </a:prstGeom>
-          <a:ln w="19050">
-            <a:tailEnd type="triangle"/>
-          </a:ln>
-          <a:effectLst>
-            <a:outerShdw blurRad="50800" dist="38100" dir="2700000" algn="tl" rotWithShape="0">
-              <a:prstClr val="black">
-                <a:alpha val="40000"/>
-              </a:prstClr>
-            </a:outerShdw>
-          </a:effectLst>
-        </p:spPr>
-        <p:style>
-          <a:lnRef idx="1">
-            <a:schemeClr val="accent1"/>
-          </a:lnRef>
-          <a:fillRef idx="0">
-            <a:schemeClr val="accent1"/>
-          </a:fillRef>
-          <a:effectRef idx="0">
-            <a:schemeClr val="accent1"/>
-          </a:effectRef>
-          <a:fontRef idx="minor">
-            <a:schemeClr val="tx1"/>
-          </a:fontRef>
-        </p:style>
-      </p:cxnSp>
-      <p:cxnSp>
-        <p:nvCxnSpPr>
-          <p:cNvPr id="112" name="Connector: Curved 111">
-            <a:extLst>
-              <a:ext uri="{FF2B5EF4-FFF2-40B4-BE49-F238E27FC236}">
-                <a16:creationId xmlns:a16="http://schemas.microsoft.com/office/drawing/2014/main" id="{022F56C7-58FF-4F6D-B71E-5FEA2CC8AF1B}"/>
-              </a:ext>
-            </a:extLst>
-          </p:cNvPr>
-          <p:cNvCxnSpPr>
-            <a:cxnSpLocks/>
-            <a:stCxn id="77" idx="3"/>
-            <a:endCxn id="119" idx="2"/>
-          </p:cNvCxnSpPr>
-          <p:nvPr/>
-        </p:nvCxnSpPr>
-        <p:spPr>
-          <a:xfrm flipV="1">
-            <a:off x="9200346" y="4404395"/>
-            <a:ext cx="1719792" cy="793373"/>
-          </a:xfrm>
-          <a:prstGeom prst="curvedConnector2">
-            <a:avLst/>
-          </a:prstGeom>
-          <a:ln w="19050">
-            <a:tailEnd type="triangle"/>
-          </a:ln>
-          <a:effectLst>
-            <a:outerShdw blurRad="50800" dist="38100" dir="2700000" algn="tl" rotWithShape="0">
-              <a:prstClr val="black">
-                <a:alpha val="40000"/>
-              </a:prstClr>
-            </a:outerShdw>
-          </a:effectLst>
-        </p:spPr>
-        <p:style>
-          <a:lnRef idx="1">
-            <a:schemeClr val="accent1"/>
-          </a:lnRef>
-          <a:fillRef idx="0">
-            <a:schemeClr val="accent1"/>
-          </a:fillRef>
-          <a:effectRef idx="0">
-            <a:schemeClr val="accent1"/>
-          </a:effectRef>
-          <a:fontRef idx="minor">
-            <a:schemeClr val="tx1"/>
-          </a:fontRef>
-        </p:style>
-      </p:cxnSp>
       <p:grpSp>
         <p:nvGrpSpPr>
           <p:cNvPr id="160" name="Group 159">
@@ -4359,10 +4264,10 @@
         </p:nvGrpSpPr>
         <p:grpSpPr>
           <a:xfrm>
-            <a:off x="10138359" y="3231163"/>
-            <a:ext cx="1563557" cy="1300117"/>
-            <a:chOff x="10138359" y="3231163"/>
-            <a:chExt cx="1563557" cy="1300117"/>
+            <a:off x="10138359" y="2929941"/>
+            <a:ext cx="1563557" cy="1474454"/>
+            <a:chOff x="10138359" y="2929941"/>
+            <a:chExt cx="1563557" cy="1474454"/>
           </a:xfrm>
         </p:grpSpPr>
         <p:pic>
@@ -4439,7 +4344,7 @@
           </p:blipFill>
           <p:spPr>
             <a:xfrm>
-              <a:off x="11050549" y="4154352"/>
+              <a:off x="10925030" y="2929941"/>
               <a:ext cx="418891" cy="376928"/>
             </a:xfrm>
             <a:prstGeom prst="rect">
@@ -5633,58 +5538,6 @@
           </p:txBody>
         </p:sp>
       </p:grpSp>
-      <p:sp>
-        <p:nvSpPr>
-          <p:cNvPr id="128" name="TextBox 127">
-            <a:extLst>
-              <a:ext uri="{FF2B5EF4-FFF2-40B4-BE49-F238E27FC236}">
-                <a16:creationId xmlns:a16="http://schemas.microsoft.com/office/drawing/2014/main" id="{BAE55CF5-A70D-4208-BCFB-78D69EBE3E3D}"/>
-              </a:ext>
-            </a:extLst>
-          </p:cNvPr>
-          <p:cNvSpPr txBox="1"/>
-          <p:nvPr/>
-        </p:nvSpPr>
-        <p:spPr>
-          <a:xfrm>
-            <a:off x="10190653" y="5132788"/>
-            <a:ext cx="1719792" cy="307777"/>
-          </a:xfrm>
-          <a:prstGeom prst="rect">
-            <a:avLst/>
-          </a:prstGeom>
-          <a:noFill/>
-        </p:spPr>
-        <p:txBody>
-          <a:bodyPr wrap="square" rtlCol="0">
-            <a:spAutoFit/>
-          </a:bodyPr>
-          <a:lstStyle/>
-          <a:p>
-            <a:r>
-              <a:rPr lang="sr-Latn-RS" sz="1400" dirty="0">
-                <a:solidFill>
-                  <a:schemeClr val="accent1">
-                    <a:lumMod val="75000"/>
-                  </a:schemeClr>
-                </a:solidFill>
-                <a:latin typeface="Verdana" panose="020B0604030504040204" pitchFamily="34" charset="0"/>
-                <a:ea typeface="Verdana" panose="020B0604030504040204" pitchFamily="34" charset="0"/>
-              </a:rPr>
-              <a:t>Data Warehouse</a:t>
-            </a:r>
-            <a:endParaRPr lang="en-US" sz="1400" dirty="0">
-              <a:solidFill>
-                <a:schemeClr val="accent1">
-                  <a:lumMod val="75000"/>
-                </a:schemeClr>
-              </a:solidFill>
-              <a:latin typeface="Verdana" panose="020B0604030504040204" pitchFamily="34" charset="0"/>
-              <a:ea typeface="Verdana" panose="020B0604030504040204" pitchFamily="34" charset="0"/>
-            </a:endParaRPr>
-          </a:p>
-        </p:txBody>
-      </p:sp>
       <p:grpSp>
         <p:nvGrpSpPr>
           <p:cNvPr id="159" name="Group 158">
@@ -5899,6 +5752,310 @@
           </a:prstGeom>
         </p:spPr>
       </p:pic>
+      <p:pic>
+        <p:nvPicPr>
+          <p:cNvPr id="3" name="Picture 2">
+            <a:extLst>
+              <a:ext uri="{FF2B5EF4-FFF2-40B4-BE49-F238E27FC236}">
+                <a16:creationId xmlns:a16="http://schemas.microsoft.com/office/drawing/2014/main" id="{DBFA406D-7EBF-4E8A-AE44-EFB84AA99F65}"/>
+              </a:ext>
+            </a:extLst>
+          </p:cNvPr>
+          <p:cNvPicPr>
+            <a:picLocks noChangeAspect="1"/>
+          </p:cNvPicPr>
+          <p:nvPr/>
+        </p:nvPicPr>
+        <p:blipFill>
+          <a:blip r:embed="rId11">
+            <a:extLst>
+              <a:ext uri="{28A0092B-C50C-407E-A947-70E740481C1C}">
+                <a14:useLocalDpi xmlns:a14="http://schemas.microsoft.com/office/drawing/2010/main" val="0"/>
+              </a:ext>
+            </a:extLst>
+          </a:blip>
+          <a:stretch>
+            <a:fillRect/>
+          </a:stretch>
+        </p:blipFill>
+        <p:spPr>
+          <a:xfrm>
+            <a:off x="10707002" y="4210900"/>
+            <a:ext cx="848339" cy="565559"/>
+          </a:xfrm>
+          <a:prstGeom prst="rect">
+            <a:avLst/>
+          </a:prstGeom>
+        </p:spPr>
+      </p:pic>
+      <p:pic>
+        <p:nvPicPr>
+          <p:cNvPr id="8" name="Picture 7">
+            <a:extLst>
+              <a:ext uri="{FF2B5EF4-FFF2-40B4-BE49-F238E27FC236}">
+                <a16:creationId xmlns:a16="http://schemas.microsoft.com/office/drawing/2014/main" id="{3E13BB23-3361-418B-AB25-FBC06A76463A}"/>
+              </a:ext>
+            </a:extLst>
+          </p:cNvPr>
+          <p:cNvPicPr>
+            <a:picLocks noChangeAspect="1"/>
+          </p:cNvPicPr>
+          <p:nvPr/>
+        </p:nvPicPr>
+        <p:blipFill>
+          <a:blip r:embed="rId12">
+            <a:extLst>
+              <a:ext uri="{28A0092B-C50C-407E-A947-70E740481C1C}">
+                <a14:useLocalDpi xmlns:a14="http://schemas.microsoft.com/office/drawing/2010/main" val="0"/>
+              </a:ext>
+            </a:extLst>
+          </a:blip>
+          <a:stretch>
+            <a:fillRect/>
+          </a:stretch>
+        </p:blipFill>
+        <p:spPr>
+          <a:xfrm>
+            <a:off x="10340917" y="5327584"/>
+            <a:ext cx="1396150" cy="698075"/>
+          </a:xfrm>
+          <a:prstGeom prst="rect">
+            <a:avLst/>
+          </a:prstGeom>
+        </p:spPr>
+      </p:pic>
+      <p:cxnSp>
+        <p:nvCxnSpPr>
+          <p:cNvPr id="16" name="Straight Arrow Connector 15">
+            <a:extLst>
+              <a:ext uri="{FF2B5EF4-FFF2-40B4-BE49-F238E27FC236}">
+                <a16:creationId xmlns:a16="http://schemas.microsoft.com/office/drawing/2014/main" id="{36B6554E-2AB7-4BA4-8AD3-E4CEE6F2BA2D}"/>
+              </a:ext>
+            </a:extLst>
+          </p:cNvPr>
+          <p:cNvCxnSpPr>
+            <a:endCxn id="8" idx="0"/>
+          </p:cNvCxnSpPr>
+          <p:nvPr/>
+        </p:nvCxnSpPr>
+        <p:spPr>
+          <a:xfrm>
+            <a:off x="11038992" y="4647508"/>
+            <a:ext cx="0" cy="680076"/>
+          </a:xfrm>
+          <a:prstGeom prst="straightConnector1">
+            <a:avLst/>
+          </a:prstGeom>
+          <a:ln w="19050">
+            <a:tailEnd type="triangle"/>
+          </a:ln>
+          <a:effectLst>
+            <a:outerShdw blurRad="50800" dist="38100" dir="5400000" algn="t" rotWithShape="0">
+              <a:prstClr val="black">
+                <a:alpha val="40000"/>
+              </a:prstClr>
+            </a:outerShdw>
+          </a:effectLst>
+        </p:spPr>
+        <p:style>
+          <a:lnRef idx="1">
+            <a:schemeClr val="accent1"/>
+          </a:lnRef>
+          <a:fillRef idx="0">
+            <a:schemeClr val="accent1"/>
+          </a:fillRef>
+          <a:effectRef idx="0">
+            <a:schemeClr val="accent1"/>
+          </a:effectRef>
+          <a:fontRef idx="minor">
+            <a:schemeClr val="tx1"/>
+          </a:fontRef>
+        </p:style>
+      </p:cxnSp>
+      <p:pic>
+        <p:nvPicPr>
+          <p:cNvPr id="18" name="Picture 17">
+            <a:extLst>
+              <a:ext uri="{FF2B5EF4-FFF2-40B4-BE49-F238E27FC236}">
+                <a16:creationId xmlns:a16="http://schemas.microsoft.com/office/drawing/2014/main" id="{A827760A-69D2-416B-B0F3-6BB794D0A5B5}"/>
+              </a:ext>
+            </a:extLst>
+          </p:cNvPr>
+          <p:cNvPicPr>
+            <a:picLocks noChangeAspect="1"/>
+          </p:cNvPicPr>
+          <p:nvPr/>
+        </p:nvPicPr>
+        <p:blipFill>
+          <a:blip r:embed="rId13">
+            <a:extLst>
+              <a:ext uri="{28A0092B-C50C-407E-A947-70E740481C1C}">
+                <a14:useLocalDpi xmlns:a14="http://schemas.microsoft.com/office/drawing/2010/main" val="0"/>
+              </a:ext>
+            </a:extLst>
+          </a:blip>
+          <a:stretch>
+            <a:fillRect/>
+          </a:stretch>
+        </p:blipFill>
+        <p:spPr>
+          <a:xfrm>
+            <a:off x="10438657" y="1588042"/>
+            <a:ext cx="1200670" cy="320178"/>
+          </a:xfrm>
+          <a:prstGeom prst="rect">
+            <a:avLst/>
+          </a:prstGeom>
+        </p:spPr>
+      </p:pic>
+      <p:cxnSp>
+        <p:nvCxnSpPr>
+          <p:cNvPr id="65" name="Straight Arrow Connector 64">
+            <a:extLst>
+              <a:ext uri="{FF2B5EF4-FFF2-40B4-BE49-F238E27FC236}">
+                <a16:creationId xmlns:a16="http://schemas.microsoft.com/office/drawing/2014/main" id="{A837997B-4344-42C4-A9BE-449F5F4CBB5D}"/>
+              </a:ext>
+            </a:extLst>
+          </p:cNvPr>
+          <p:cNvCxnSpPr>
+            <a:cxnSpLocks/>
+          </p:cNvCxnSpPr>
+          <p:nvPr/>
+        </p:nvCxnSpPr>
+        <p:spPr>
+          <a:xfrm flipV="1">
+            <a:off x="11050549" y="2208776"/>
+            <a:ext cx="0" cy="682379"/>
+          </a:xfrm>
+          <a:prstGeom prst="straightConnector1">
+            <a:avLst/>
+          </a:prstGeom>
+          <a:ln w="19050">
+            <a:tailEnd type="triangle"/>
+          </a:ln>
+          <a:effectLst>
+            <a:outerShdw blurRad="50800" dist="38100" dir="5400000" algn="t" rotWithShape="0">
+              <a:prstClr val="black">
+                <a:alpha val="40000"/>
+              </a:prstClr>
+            </a:outerShdw>
+          </a:effectLst>
+        </p:spPr>
+        <p:style>
+          <a:lnRef idx="1">
+            <a:schemeClr val="accent1"/>
+          </a:lnRef>
+          <a:fillRef idx="0">
+            <a:schemeClr val="accent1"/>
+          </a:fillRef>
+          <a:effectRef idx="0">
+            <a:schemeClr val="accent1"/>
+          </a:effectRef>
+          <a:fontRef idx="minor">
+            <a:schemeClr val="tx1"/>
+          </a:fontRef>
+        </p:style>
+      </p:cxnSp>
+      <p:cxnSp>
+        <p:nvCxnSpPr>
+          <p:cNvPr id="112" name="Connector: Curved 111">
+            <a:extLst>
+              <a:ext uri="{FF2B5EF4-FFF2-40B4-BE49-F238E27FC236}">
+                <a16:creationId xmlns:a16="http://schemas.microsoft.com/office/drawing/2014/main" id="{022F56C7-58FF-4F6D-B71E-5FEA2CC8AF1B}"/>
+              </a:ext>
+            </a:extLst>
+          </p:cNvPr>
+          <p:cNvCxnSpPr>
+            <a:cxnSpLocks/>
+            <a:stCxn id="77" idx="3"/>
+            <a:endCxn id="119" idx="2"/>
+          </p:cNvCxnSpPr>
+          <p:nvPr/>
+        </p:nvCxnSpPr>
+        <p:spPr>
+          <a:xfrm flipV="1">
+            <a:off x="9200346" y="4404395"/>
+            <a:ext cx="1719792" cy="793373"/>
+          </a:xfrm>
+          <a:prstGeom prst="curvedConnector2">
+            <a:avLst/>
+          </a:prstGeom>
+          <a:ln w="19050">
+            <a:tailEnd type="triangle"/>
+          </a:ln>
+          <a:effectLst>
+            <a:outerShdw blurRad="50800" dist="38100" dir="2700000" algn="tl" rotWithShape="0">
+              <a:prstClr val="black">
+                <a:alpha val="40000"/>
+              </a:prstClr>
+            </a:outerShdw>
+          </a:effectLst>
+        </p:spPr>
+        <p:style>
+          <a:lnRef idx="1">
+            <a:schemeClr val="accent1"/>
+          </a:lnRef>
+          <a:fillRef idx="0">
+            <a:schemeClr val="accent1"/>
+          </a:fillRef>
+          <a:effectRef idx="0">
+            <a:schemeClr val="accent1"/>
+          </a:effectRef>
+          <a:fontRef idx="minor">
+            <a:schemeClr val="tx1"/>
+          </a:fontRef>
+        </p:style>
+      </p:cxnSp>
+      <p:cxnSp>
+        <p:nvCxnSpPr>
+          <p:cNvPr id="110" name="Connector: Curved 109">
+            <a:extLst>
+              <a:ext uri="{FF2B5EF4-FFF2-40B4-BE49-F238E27FC236}">
+                <a16:creationId xmlns:a16="http://schemas.microsoft.com/office/drawing/2014/main" id="{3C4763B9-2014-4DF4-87CF-9E77F34037FF}"/>
+              </a:ext>
+            </a:extLst>
+          </p:cNvPr>
+          <p:cNvCxnSpPr>
+            <a:cxnSpLocks/>
+            <a:stCxn id="76" idx="3"/>
+            <a:endCxn id="119" idx="0"/>
+          </p:cNvCxnSpPr>
+          <p:nvPr/>
+        </p:nvCxnSpPr>
+        <p:spPr>
+          <a:xfrm>
+            <a:off x="9200346" y="2386055"/>
+            <a:ext cx="1719792" cy="845108"/>
+          </a:xfrm>
+          <a:prstGeom prst="curvedConnector2">
+            <a:avLst/>
+          </a:prstGeom>
+          <a:ln w="19050">
+            <a:tailEnd type="triangle"/>
+          </a:ln>
+          <a:effectLst>
+            <a:outerShdw blurRad="50800" dist="38100" dir="2700000" algn="tl" rotWithShape="0">
+              <a:prstClr val="black">
+                <a:alpha val="40000"/>
+              </a:prstClr>
+            </a:outerShdw>
+          </a:effectLst>
+        </p:spPr>
+        <p:style>
+          <a:lnRef idx="1">
+            <a:schemeClr val="accent1"/>
+          </a:lnRef>
+          <a:fillRef idx="0">
+            <a:schemeClr val="accent1"/>
+          </a:fillRef>
+          <a:effectRef idx="0">
+            <a:schemeClr val="accent1"/>
+          </a:effectRef>
+          <a:fontRef idx="minor">
+            <a:schemeClr val="tx1"/>
+          </a:fontRef>
+        </p:style>
+      </p:cxnSp>
     </p:spTree>
     <p:extLst>
       <p:ext uri="{BB962C8B-B14F-4D97-AF65-F5344CB8AC3E}">
